--- a/Materials/Figures within article/study design basal attributes_wide.pptx
+++ b/Materials/Figures within article/study design basal attributes_wide.pptx
@@ -3408,19 +3408,7 @@
           <a:p>
             <a:r>
               <a:rPr lang="en-US" sz="1600" dirty="0"/>
-              <a:t>Conducted large-scale CAM study with N=</a:t>
-            </a:r>
-            <a:r>
-              <a:rPr lang="en-US" sz="1600" dirty="0">
-                <a:highlight>
-                  <a:srgbClr val="FFFF00"/>
-                </a:highlight>
-              </a:rPr>
-              <a:t>193</a:t>
-            </a:r>
-            <a:r>
-              <a:rPr lang="en-US" sz="1600" dirty="0"/>
-              <a:t> laypersons</a:t>
+              <a:t>Conducted large-scale CAM study with N=192 laypersons</a:t>
             </a:r>
           </a:p>
         </p:txBody>
